--- a/Slides/4. Conditional Logic and Block Statements/conditional-logic-and-block-statements-slides.pptx
+++ b/Slides/4. Conditional Logic and Block Statements/conditional-logic-and-block-statements-slides.pptx
@@ -13831,54 +13831,6 @@
       </p:sp>
       <p:sp>
         <p:nvSpPr>
-          <p:cNvPr id="18" name="object 18"/>
-          <p:cNvSpPr/>
-          <p:nvPr/>
-        </p:nvSpPr>
-        <p:spPr>
-          <a:xfrm>
-            <a:off x="7420356" y="3102864"/>
-            <a:ext cx="2909570" cy="401320"/>
-          </a:xfrm>
-          <a:custGeom>
-            <a:avLst/>
-            <a:gdLst/>
-            <a:ahLst/>
-            <a:cxnLst/>
-            <a:rect l="l" t="t" r="r" b="b"/>
-            <a:pathLst>
-              <a:path w="2909570" h="401320">
-                <a:moveTo>
-                  <a:pt x="2909316" y="0"/>
-                </a:moveTo>
-                <a:lnTo>
-                  <a:pt x="0" y="0"/>
-                </a:lnTo>
-                <a:lnTo>
-                  <a:pt x="0" y="400812"/>
-                </a:lnTo>
-                <a:lnTo>
-                  <a:pt x="2909316" y="400812"/>
-                </a:lnTo>
-                <a:lnTo>
-                  <a:pt x="2909316" y="0"/>
-                </a:lnTo>
-                <a:close/>
-              </a:path>
-            </a:pathLst>
-          </a:custGeom>
-          <a:solidFill>
-            <a:srgbClr val="FFFFFF"/>
-          </a:solidFill>
-        </p:spPr>
-        <p:txBody>
-          <a:bodyPr wrap="square" lIns="0" tIns="0" rIns="0" bIns="0" rtlCol="0"/>
-          <a:lstStyle/>
-          <a:p/>
-        </p:txBody>
-      </p:sp>
-      <p:sp>
-        <p:nvSpPr>
           <p:cNvPr id="19" name="Slide Number Placeholder 18"/>
           <p:cNvSpPr>
             <a:spLocks noGrp="1"/>
@@ -14974,54 +14926,6 @@
           </p:spPr>
         </p:pic>
       </p:grpSp>
-      <p:sp>
-        <p:nvSpPr>
-          <p:cNvPr id="10" name="object 10"/>
-          <p:cNvSpPr/>
-          <p:nvPr/>
-        </p:nvSpPr>
-        <p:spPr>
-          <a:xfrm>
-            <a:off x="1092708" y="3945635"/>
-            <a:ext cx="3255645" cy="436245"/>
-          </a:xfrm>
-          <a:custGeom>
-            <a:avLst/>
-            <a:gdLst/>
-            <a:ahLst/>
-            <a:cxnLst/>
-            <a:rect l="l" t="t" r="r" b="b"/>
-            <a:pathLst>
-              <a:path w="3255645" h="436245">
-                <a:moveTo>
-                  <a:pt x="3255264" y="0"/>
-                </a:moveTo>
-                <a:lnTo>
-                  <a:pt x="0" y="0"/>
-                </a:lnTo>
-                <a:lnTo>
-                  <a:pt x="0" y="435863"/>
-                </a:lnTo>
-                <a:lnTo>
-                  <a:pt x="3255264" y="435863"/>
-                </a:lnTo>
-                <a:lnTo>
-                  <a:pt x="3255264" y="0"/>
-                </a:lnTo>
-                <a:close/>
-              </a:path>
-            </a:pathLst>
-          </a:custGeom>
-          <a:solidFill>
-            <a:srgbClr val="171717"/>
-          </a:solidFill>
-        </p:spPr>
-        <p:txBody>
-          <a:bodyPr wrap="square" lIns="0" tIns="0" rIns="0" bIns="0" rtlCol="0"/>
-          <a:lstStyle/>
-          <a:p/>
-        </p:txBody>
-      </p:sp>
       <p:sp>
         <p:nvSpPr>
           <p:cNvPr id="11" name="Slide Number Placeholder 10"/>
